--- a/doc/XXL-JOB1.3.x架构图_20160528_1910.pptx
+++ b/doc/XXL-JOB1.3.x架构图_20160528_1910.pptx
@@ -10,6 +10,8 @@
   <p:sldIdLst>
     <p:sldId id="259" r:id="rId3"/>
     <p:sldId id="258" r:id="rId4"/>
+    <p:sldId id="261" r:id="rId6"/>
+    <p:sldId id="262" r:id="rId7"/>
   </p:sldIdLst>
   <p:sldSz cx="12192000" cy="6858000"/>
   <p:notesSz cx="6858000" cy="9144000"/>
@@ -6492,6 +6494,90 @@
           </a:p>
         </p:txBody>
       </p:sp>
+    </p:spTree>
+  </p:cSld>
+  <p:clrMapOvr>
+    <a:masterClrMapping/>
+  </p:clrMapOvr>
+</p:sld>
+</file>
+
+<file path=ppt/slides/slide3.xml><?xml version="1.0" encoding="utf-8"?>
+<p:sld xmlns:a="http://schemas.openxmlformats.org/drawingml/2006/main" xmlns:r="http://schemas.openxmlformats.org/officeDocument/2006/relationships" xmlns:p="http://schemas.openxmlformats.org/presentationml/2006/main">
+  <p:cSld>
+    <p:spTree>
+      <p:nvGrpSpPr>
+        <p:cNvPr id="1" name=""/>
+        <p:cNvGrpSpPr/>
+        <p:nvPr/>
+      </p:nvGrpSpPr>
+      <p:grpSpPr/>
+      <p:pic>
+        <p:nvPicPr>
+          <p:cNvPr id="4" name="图片 3" descr="360截图20151207151858255"/>
+          <p:cNvPicPr>
+            <a:picLocks noChangeAspect="1"/>
+          </p:cNvPicPr>
+          <p:nvPr/>
+        </p:nvPicPr>
+        <p:blipFill>
+          <a:blip r:embed="rId1"/>
+          <a:stretch>
+            <a:fillRect/>
+          </a:stretch>
+        </p:blipFill>
+        <p:spPr>
+          <a:xfrm>
+            <a:off x="73025" y="473075"/>
+            <a:ext cx="11990070" cy="5327650"/>
+          </a:xfrm>
+          <a:prstGeom prst="rect">
+            <a:avLst/>
+          </a:prstGeom>
+        </p:spPr>
+      </p:pic>
+    </p:spTree>
+  </p:cSld>
+  <p:clrMapOvr>
+    <a:masterClrMapping/>
+  </p:clrMapOvr>
+</p:sld>
+</file>
+
+<file path=ppt/slides/slide4.xml><?xml version="1.0" encoding="utf-8"?>
+<p:sld xmlns:a="http://schemas.openxmlformats.org/drawingml/2006/main" xmlns:r="http://schemas.openxmlformats.org/officeDocument/2006/relationships" xmlns:p="http://schemas.openxmlformats.org/presentationml/2006/main">
+  <p:cSld>
+    <p:spTree>
+      <p:nvGrpSpPr>
+        <p:cNvPr id="1" name=""/>
+        <p:cNvGrpSpPr/>
+        <p:nvPr/>
+      </p:nvGrpSpPr>
+      <p:grpSpPr/>
+      <p:pic>
+        <p:nvPicPr>
+          <p:cNvPr id="4" name="图片 3" descr="360截图20151207151744735"/>
+          <p:cNvPicPr>
+            <a:picLocks noChangeAspect="1"/>
+          </p:cNvPicPr>
+          <p:nvPr/>
+        </p:nvPicPr>
+        <p:blipFill>
+          <a:blip r:embed="rId1"/>
+          <a:stretch>
+            <a:fillRect/>
+          </a:stretch>
+        </p:blipFill>
+        <p:spPr>
+          <a:xfrm>
+            <a:off x="72390" y="432435"/>
+            <a:ext cx="12031980" cy="5346065"/>
+          </a:xfrm>
+          <a:prstGeom prst="rect">
+            <a:avLst/>
+          </a:prstGeom>
+        </p:spPr>
+      </p:pic>
     </p:spTree>
   </p:cSld>
   <p:clrMapOvr>

--- a/doc/XXL-JOB1.3.x架构图_20160528_1910.pptx
+++ b/doc/XXL-JOB1.3.x架构图_20160528_1910.pptx
@@ -12,6 +12,9 @@
     <p:sldId id="258" r:id="rId4"/>
     <p:sldId id="261" r:id="rId6"/>
     <p:sldId id="262" r:id="rId7"/>
+    <p:sldId id="263" r:id="rId8"/>
+    <p:sldId id="264" r:id="rId9"/>
+    <p:sldId id="265" r:id="rId10"/>
   </p:sldIdLst>
   <p:sldSz cx="12192000" cy="6858000"/>
   <p:notesSz cx="6858000" cy="9144000"/>
@@ -6572,6 +6575,132 @@
           <a:xfrm>
             <a:off x="72390" y="432435"/>
             <a:ext cx="12031980" cy="5346065"/>
+          </a:xfrm>
+          <a:prstGeom prst="rect">
+            <a:avLst/>
+          </a:prstGeom>
+        </p:spPr>
+      </p:pic>
+    </p:spTree>
+  </p:cSld>
+  <p:clrMapOvr>
+    <a:masterClrMapping/>
+  </p:clrMapOvr>
+</p:sld>
+</file>
+
+<file path=ppt/slides/slide5.xml><?xml version="1.0" encoding="utf-8"?>
+<p:sld xmlns:a="http://schemas.openxmlformats.org/drawingml/2006/main" xmlns:r="http://schemas.openxmlformats.org/officeDocument/2006/relationships" xmlns:p="http://schemas.openxmlformats.org/presentationml/2006/main">
+  <p:cSld>
+    <p:spTree>
+      <p:nvGrpSpPr>
+        <p:cNvPr id="1" name=""/>
+        <p:cNvGrpSpPr/>
+        <p:nvPr/>
+      </p:nvGrpSpPr>
+      <p:grpSpPr/>
+      <p:pic>
+        <p:nvPicPr>
+          <p:cNvPr id="4" name="图片 3" descr="QQ截图20160615095656"/>
+          <p:cNvPicPr>
+            <a:picLocks noChangeAspect="1"/>
+          </p:cNvPicPr>
+          <p:nvPr/>
+        </p:nvPicPr>
+        <p:blipFill>
+          <a:blip r:embed="rId1"/>
+          <a:stretch>
+            <a:fillRect/>
+          </a:stretch>
+        </p:blipFill>
+        <p:spPr>
+          <a:xfrm>
+            <a:off x="314960" y="476250"/>
+            <a:ext cx="11717020" cy="5422265"/>
+          </a:xfrm>
+          <a:prstGeom prst="rect">
+            <a:avLst/>
+          </a:prstGeom>
+        </p:spPr>
+      </p:pic>
+    </p:spTree>
+  </p:cSld>
+  <p:clrMapOvr>
+    <a:masterClrMapping/>
+  </p:clrMapOvr>
+</p:sld>
+</file>
+
+<file path=ppt/slides/slide6.xml><?xml version="1.0" encoding="utf-8"?>
+<p:sld xmlns:a="http://schemas.openxmlformats.org/drawingml/2006/main" xmlns:r="http://schemas.openxmlformats.org/officeDocument/2006/relationships" xmlns:p="http://schemas.openxmlformats.org/presentationml/2006/main">
+  <p:cSld>
+    <p:spTree>
+      <p:nvGrpSpPr>
+        <p:cNvPr id="1" name=""/>
+        <p:cNvGrpSpPr/>
+        <p:nvPr/>
+      </p:nvGrpSpPr>
+      <p:grpSpPr/>
+      <p:pic>
+        <p:nvPicPr>
+          <p:cNvPr id="4" name="图片 3" descr="QQ截图20160615095710"/>
+          <p:cNvPicPr>
+            <a:picLocks noChangeAspect="1"/>
+          </p:cNvPicPr>
+          <p:nvPr/>
+        </p:nvPicPr>
+        <p:blipFill>
+          <a:blip r:embed="rId1"/>
+          <a:stretch>
+            <a:fillRect/>
+          </a:stretch>
+        </p:blipFill>
+        <p:spPr>
+          <a:xfrm>
+            <a:off x="397510" y="738505"/>
+            <a:ext cx="11409045" cy="5239385"/>
+          </a:xfrm>
+          <a:prstGeom prst="rect">
+            <a:avLst/>
+          </a:prstGeom>
+        </p:spPr>
+      </p:pic>
+    </p:spTree>
+  </p:cSld>
+  <p:clrMapOvr>
+    <a:masterClrMapping/>
+  </p:clrMapOvr>
+</p:sld>
+</file>
+
+<file path=ppt/slides/slide7.xml><?xml version="1.0" encoding="utf-8"?>
+<p:sld xmlns:a="http://schemas.openxmlformats.org/drawingml/2006/main" xmlns:r="http://schemas.openxmlformats.org/officeDocument/2006/relationships" xmlns:p="http://schemas.openxmlformats.org/presentationml/2006/main">
+  <p:cSld>
+    <p:spTree>
+      <p:nvGrpSpPr>
+        <p:cNvPr id="1" name=""/>
+        <p:cNvGrpSpPr/>
+        <p:nvPr/>
+      </p:nvGrpSpPr>
+      <p:grpSpPr/>
+      <p:pic>
+        <p:nvPicPr>
+          <p:cNvPr id="4" name="图片 3" descr="QQ截图20160615095724"/>
+          <p:cNvPicPr>
+            <a:picLocks noChangeAspect="1"/>
+          </p:cNvPicPr>
+          <p:nvPr/>
+        </p:nvPicPr>
+        <p:blipFill>
+          <a:blip r:embed="rId1"/>
+          <a:stretch>
+            <a:fillRect/>
+          </a:stretch>
+        </p:blipFill>
+        <p:spPr>
+          <a:xfrm>
+            <a:off x="283845" y="629920"/>
+            <a:ext cx="11819255" cy="5428615"/>
           </a:xfrm>
           <a:prstGeom prst="rect">
             <a:avLst/>
